--- a/templates/PACIO Project Ppt Template.pptx
+++ b/templates/PACIO Project Ppt Template.pptx
@@ -2701,7 +2701,7 @@
         <p:spPr>
           <a:xfrm>
             <a:off x="3153845" y="2396381"/>
-            <a:ext cx="5784978" cy="2523768"/>
+            <a:ext cx="5784978" cy="2354491"/>
           </a:xfrm>
           <a:prstGeom prst="rect">
             <a:avLst/>
@@ -2728,8 +2728,23 @@
                   </a:schemeClr>
                 </a:solidFill>
               </a:rPr>
-              <a:t>The PACIO Project is a collaborative effort to advance interoperable health data exchange between post-acute care (PAC) and other providers, patients, and key stakeholders across health care and to promote health data exchange in collaboration with policy makers, standards organizations, and industry through a consensus-based approach.</a:t>
-            </a:r>
+              <a:t>The PACIO Project is a collaboration among policy makers, standards organizations, and industry to advance interoperable health data exchange between post-acute care (PAC) and other providers, patients, and key stakeholders across healthcare. </a:t>
+            </a:r>
+          </a:p>
+          <a:p>
+            <a:pPr algn="ctr">
+              <a:spcAft>
+                <a:spcPts val="600"/>
+              </a:spcAft>
+            </a:pPr>
+            <a:endParaRPr lang="en-US" sz="1600" dirty="0">
+              <a:solidFill>
+                <a:schemeClr val="tx1">
+                  <a:lumMod val="50000"/>
+                  <a:lumOff val="50000"/>
+                </a:schemeClr>
+              </a:solidFill>
+            </a:endParaRPr>
           </a:p>
           <a:p>
             <a:pPr algn="ctr">
